--- a/Will/disc06/disc06.pptx
+++ b/Will/disc06/disc06.pptx
@@ -22,9 +22,6 @@
     <p:sldId id="267" r:id="rId19"/>
     <p:sldId id="268" r:id="rId20"/>
     <p:sldId id="269" r:id="rId21"/>
-    <p:sldId id="270" r:id="rId22"/>
-    <p:sldId id="271" r:id="rId23"/>
-    <p:sldId id="272" r:id="rId24"/>
   </p:sldIdLst>
   <p:sldSz cx="24384000" cy="13716000"/>
   <p:notesSz cx="6858000" cy="9144000"/>
@@ -4016,908 +4013,6 @@
 </file>
 
 <file path=ppt/slides/slide13.xml><?xml version="1.0" encoding="utf-8"?>
-<p:sld xmlns:a="http://schemas.openxmlformats.org/drawingml/2006/main" xmlns:r="http://schemas.openxmlformats.org/officeDocument/2006/relationships" xmlns:p="http://schemas.openxmlformats.org/presentationml/2006/main" xmlns:m="http://schemas.openxmlformats.org/officeDocument/2006/math" xmlns:a14="http://schemas.microsoft.com/office/drawing/2010/main" show="0" showMasterSp="1" showMasterPhAnim="1">
-  <p:cSld>
-    <p:spTree>
-      <p:nvGrpSpPr>
-        <p:cNvPr id="1" name=""/>
-        <p:cNvGrpSpPr/>
-        <p:nvPr/>
-      </p:nvGrpSpPr>
-      <p:grpSpPr>
-        <a:xfrm>
-          <a:off x="0" y="0"/>
-          <a:ext cx="0" cy="0"/>
-          <a:chOff x="0" y="0"/>
-          <a:chExt cx="0" cy="0"/>
-        </a:xfrm>
-      </p:grpSpPr>
-      <p:sp>
-        <p:nvSpPr>
-          <p:cNvPr id="165" name="Working with Text"/>
-          <p:cNvSpPr txBox="1"/>
-          <p:nvPr>
-            <p:ph type="title"/>
-          </p:nvPr>
-        </p:nvSpPr>
-        <p:spPr>
-          <a:prstGeom prst="rect">
-            <a:avLst/>
-          </a:prstGeom>
-        </p:spPr>
-        <p:txBody>
-          <a:bodyPr/>
-          <a:lstStyle/>
-          <a:p>
-            <a:pPr/>
-            <a:r>
-              <a:t>Working with Text</a:t>
-            </a:r>
-          </a:p>
-        </p:txBody>
-      </p:sp>
-    </p:spTree>
-  </p:cSld>
-  <p:clrMapOvr>
-    <a:masterClrMapping/>
-  </p:clrMapOvr>
-  <p:transition xmlns:p14="http://schemas.microsoft.com/office/powerpoint/2010/main" spd="med" advClick="1"/>
-</p:sld>
-</file>
-
-<file path=ppt/slides/slide14.xml><?xml version="1.0" encoding="utf-8"?>
-<p:sld xmlns:a="http://schemas.openxmlformats.org/drawingml/2006/main" xmlns:r="http://schemas.openxmlformats.org/officeDocument/2006/relationships" xmlns:p="http://schemas.openxmlformats.org/presentationml/2006/main" xmlns:m="http://schemas.openxmlformats.org/officeDocument/2006/math" xmlns:a14="http://schemas.microsoft.com/office/drawing/2010/main" show="0" showMasterSp="1" showMasterPhAnim="1">
-  <p:cSld>
-    <p:spTree>
-      <p:nvGrpSpPr>
-        <p:cNvPr id="1" name=""/>
-        <p:cNvGrpSpPr/>
-        <p:nvPr/>
-      </p:nvGrpSpPr>
-      <p:grpSpPr>
-        <a:xfrm>
-          <a:off x="0" y="0"/>
-          <a:ext cx="0" cy="0"/>
-          <a:chOff x="0" y="0"/>
-          <a:chExt cx="0" cy="0"/>
-        </a:xfrm>
-      </p:grpSpPr>
-      <p:sp>
-        <p:nvSpPr>
-          <p:cNvPr id="167" name="Text is useful!"/>
-          <p:cNvSpPr txBox="1"/>
-          <p:nvPr>
-            <p:ph type="title"/>
-          </p:nvPr>
-        </p:nvSpPr>
-        <p:spPr>
-          <a:prstGeom prst="rect">
-            <a:avLst/>
-          </a:prstGeom>
-        </p:spPr>
-        <p:txBody>
-          <a:bodyPr/>
-          <a:lstStyle/>
-          <a:p>
-            <a:pPr/>
-            <a:r>
-              <a:t>Text is useful!</a:t>
-            </a:r>
-          </a:p>
-        </p:txBody>
-      </p:sp>
-      <p:sp>
-        <p:nvSpPr>
-          <p:cNvPr id="168" name="Turns out that the last letter of a person’s first name is a good predictor of sex.…"/>
-          <p:cNvSpPr txBox="1"/>
-          <p:nvPr>
-            <p:ph type="body" sz="half" idx="1"/>
-          </p:nvPr>
-        </p:nvSpPr>
-        <p:spPr>
-          <a:xfrm>
-            <a:off x="1689100" y="3149600"/>
-            <a:ext cx="9329327" cy="9296400"/>
-          </a:xfrm>
-          <a:prstGeom prst="rect">
-            <a:avLst/>
-          </a:prstGeom>
-        </p:spPr>
-        <p:txBody>
-          <a:bodyPr anchor="t"/>
-          <a:lstStyle/>
-          <a:p>
-            <a:pPr marL="0" indent="0">
-              <a:buSzTx/>
-              <a:buNone/>
-            </a:pPr>
-            <a:r>
-              <a:t>Turns out that the last letter of a person’s first name is a good predictor of sex.</a:t>
-            </a:r>
-          </a:p>
-          <a:p>
-            <a:pPr marL="0" indent="0">
-              <a:buSzTx/>
-              <a:buNone/>
-            </a:pPr>
-            <a:r>
-              <a:t>Demo: </a:t>
-            </a:r>
-            <a:r>
-              <a:rPr u="sng">
-                <a:hlinkClick r:id="rId2" invalidUrl="" action="" tgtFrame="" tooltip="" history="1" highlightClick="0" endSnd="0"/>
-              </a:rPr>
-              <a:t>bit.ly/108-sam06</a:t>
-            </a:r>
-          </a:p>
-        </p:txBody>
-      </p:sp>
-      <p:pic>
-        <p:nvPicPr>
-          <p:cNvPr id="169" name="Image" descr="Image"/>
-          <p:cNvPicPr>
-            <a:picLocks noChangeAspect="1"/>
-          </p:cNvPicPr>
-          <p:nvPr/>
-        </p:nvPicPr>
-        <p:blipFill>
-          <a:blip r:embed="rId3">
-            <a:extLst/>
-          </a:blip>
-          <a:stretch>
-            <a:fillRect/>
-          </a:stretch>
-        </p:blipFill>
-        <p:spPr>
-          <a:xfrm>
-            <a:off x="11018426" y="3149600"/>
-            <a:ext cx="12335913" cy="10534650"/>
-          </a:xfrm>
-          <a:prstGeom prst="rect">
-            <a:avLst/>
-          </a:prstGeom>
-          <a:ln w="12700">
-            <a:miter lim="400000"/>
-          </a:ln>
-        </p:spPr>
-      </p:pic>
-    </p:spTree>
-  </p:cSld>
-  <p:clrMapOvr>
-    <a:masterClrMapping/>
-  </p:clrMapOvr>
-  <p:transition xmlns:p14="http://schemas.microsoft.com/office/powerpoint/2010/main" spd="med" advClick="1"/>
-  <p:timing>
-    <p:tnLst>
-      <p:par>
-        <p:cTn id="1" nodeType="tmRoot" restart="never" dur="indefinite" fill="hold">
-          <p:childTnLst>
-            <p:seq concurrent="1" prevAc="none" nextAc="seek">
-              <p:cTn id="2" nodeType="mainSeq" dur="indefinite" fill="hold">
-                <p:childTnLst>
-                  <p:par>
-                    <p:cTn id="3" fill="hold">
-                      <p:stCondLst>
-                        <p:cond delay="indefinite"/>
-                      </p:stCondLst>
-                      <p:childTnLst>
-                        <p:par>
-                          <p:cTn id="4" fill="hold">
-                            <p:stCondLst>
-                              <p:cond delay="0"/>
-                            </p:stCondLst>
-                            <p:childTnLst>
-                              <p:par>
-                                <p:cTn id="5" presetClass="entr" nodeType="clickEffect" presetSubtype="0" presetID="1" grpId="1" fill="hold">
-                                  <p:stCondLst>
-                                    <p:cond delay="0"/>
-                                  </p:stCondLst>
-                                  <p:iterate type="el" backwards="0">
-                                    <p:tmAbs val="0"/>
-                                  </p:iterate>
-                                  <p:childTnLst>
-                                    <p:set>
-                                      <p:cBhvr>
-                                        <p:cTn id="6" fill="hold"/>
-                                        <p:tgtEl>
-                                          <p:spTgt spid="168">
-                                            <p:bg/>
-                                          </p:spTgt>
-                                        </p:tgtEl>
-                                        <p:attrNameLst>
-                                          <p:attrName>style.visibility</p:attrName>
-                                        </p:attrNameLst>
-                                      </p:cBhvr>
-                                      <p:to>
-                                        <p:strVal val="visible"/>
-                                      </p:to>
-                                    </p:set>
-                                  </p:childTnLst>
-                                </p:cTn>
-                              </p:par>
-                              <p:par>
-                                <p:cTn id="7" presetClass="entr" nodeType="withEffect" presetSubtype="0" presetID="1" grpId="1" fill="hold">
-                                  <p:stCondLst>
-                                    <p:cond delay="0"/>
-                                  </p:stCondLst>
-                                  <p:iterate type="el" backwards="0">
-                                    <p:tmAbs val="0"/>
-                                  </p:iterate>
-                                  <p:childTnLst>
-                                    <p:set>
-                                      <p:cBhvr>
-                                        <p:cTn id="8" fill="hold"/>
-                                        <p:tgtEl>
-                                          <p:spTgt spid="168">
-                                            <p:txEl>
-                                              <p:pRg st="0" end="0"/>
-                                            </p:txEl>
-                                          </p:spTgt>
-                                        </p:tgtEl>
-                                        <p:attrNameLst>
-                                          <p:attrName>style.visibility</p:attrName>
-                                        </p:attrNameLst>
-                                      </p:cBhvr>
-                                      <p:to>
-                                        <p:strVal val="visible"/>
-                                      </p:to>
-                                    </p:set>
-                                  </p:childTnLst>
-                                </p:cTn>
-                              </p:par>
-                            </p:childTnLst>
-                          </p:cTn>
-                        </p:par>
-                      </p:childTnLst>
-                    </p:cTn>
-                  </p:par>
-                  <p:par>
-                    <p:cTn id="9" fill="hold">
-                      <p:stCondLst>
-                        <p:cond delay="indefinite"/>
-                      </p:stCondLst>
-                      <p:childTnLst>
-                        <p:par>
-                          <p:cTn id="10" fill="hold">
-                            <p:stCondLst>
-                              <p:cond delay="0"/>
-                            </p:stCondLst>
-                            <p:childTnLst>
-                              <p:par>
-                                <p:cTn id="11" presetClass="entr" nodeType="clickEffect" presetSubtype="0" presetID="1" grpId="1" fill="hold">
-                                  <p:stCondLst>
-                                    <p:cond delay="0"/>
-                                  </p:stCondLst>
-                                  <p:iterate type="el" backwards="0">
-                                    <p:tmAbs val="0"/>
-                                  </p:iterate>
-                                  <p:childTnLst>
-                                    <p:set>
-                                      <p:cBhvr>
-                                        <p:cTn id="12" fill="hold"/>
-                                        <p:tgtEl>
-                                          <p:spTgt spid="168">
-                                            <p:txEl>
-                                              <p:pRg st="1" end="1"/>
-                                            </p:txEl>
-                                          </p:spTgt>
-                                        </p:tgtEl>
-                                        <p:attrNameLst>
-                                          <p:attrName>style.visibility</p:attrName>
-                                        </p:attrNameLst>
-                                      </p:cBhvr>
-                                      <p:to>
-                                        <p:strVal val="visible"/>
-                                      </p:to>
-                                    </p:set>
-                                  </p:childTnLst>
-                                </p:cTn>
-                              </p:par>
-                            </p:childTnLst>
-                          </p:cTn>
-                        </p:par>
-                      </p:childTnLst>
-                    </p:cTn>
-                  </p:par>
-                  <p:par>
-                    <p:cTn id="13" fill="hold">
-                      <p:stCondLst>
-                        <p:cond delay="indefinite"/>
-                      </p:stCondLst>
-                      <p:childTnLst>
-                        <p:par>
-                          <p:cTn id="14" fill="hold">
-                            <p:stCondLst>
-                              <p:cond delay="0"/>
-                            </p:stCondLst>
-                            <p:childTnLst>
-                              <p:par>
-                                <p:cTn id="15" presetClass="entr" nodeType="clickEffect" presetSubtype="0" presetID="1" grpId="2" fill="hold">
-                                  <p:stCondLst>
-                                    <p:cond delay="0"/>
-                                  </p:stCondLst>
-                                  <p:iterate type="el" backwards="0">
-                                    <p:tmAbs val="0"/>
-                                  </p:iterate>
-                                  <p:childTnLst>
-                                    <p:set>
-                                      <p:cBhvr>
-                                        <p:cTn id="16" fill="hold"/>
-                                        <p:tgtEl>
-                                          <p:spTgt spid="169"/>
-                                        </p:tgtEl>
-                                        <p:attrNameLst>
-                                          <p:attrName>style.visibility</p:attrName>
-                                        </p:attrNameLst>
-                                      </p:cBhvr>
-                                      <p:to>
-                                        <p:strVal val="visible"/>
-                                      </p:to>
-                                    </p:set>
-                                  </p:childTnLst>
-                                </p:cTn>
-                              </p:par>
-                            </p:childTnLst>
-                          </p:cTn>
-                        </p:par>
-                      </p:childTnLst>
-                    </p:cTn>
-                  </p:par>
-                </p:childTnLst>
-              </p:cTn>
-              <p:prevCondLst>
-                <p:cond evt="onPrev">
-                  <p:tgtEl>
-                    <p:sldTgt/>
-                  </p:tgtEl>
-                </p:cond>
-              </p:prevCondLst>
-              <p:nextCondLst>
-                <p:cond evt="onNext">
-                  <p:tgtEl>
-                    <p:sldTgt/>
-                  </p:tgtEl>
-                </p:cond>
-              </p:nextCondLst>
-            </p:seq>
-          </p:childTnLst>
-        </p:cTn>
-      </p:par>
-    </p:tnLst>
-    <p:bldLst>
-      <p:bldP build="whole" bldLvl="1" animBg="1" rev="0" advAuto="0" spid="169" grpId="2"/>
-      <p:bldP build="p" bldLvl="5" animBg="1" rev="0" advAuto="0" spid="168" grpId="1"/>
-    </p:bldLst>
-  </p:timing>
-</p:sld>
-</file>
-
-<file path=ppt/slides/slide15.xml><?xml version="1.0" encoding="utf-8"?>
-<p:sld xmlns:a="http://schemas.openxmlformats.org/drawingml/2006/main" xmlns:r="http://schemas.openxmlformats.org/officeDocument/2006/relationships" xmlns:p="http://schemas.openxmlformats.org/presentationml/2006/main" xmlns:m="http://schemas.openxmlformats.org/officeDocument/2006/math" xmlns:a14="http://schemas.microsoft.com/office/drawing/2010/main" show="0" showMasterSp="1" showMasterPhAnim="1">
-  <p:cSld>
-    <p:spTree>
-      <p:nvGrpSpPr>
-        <p:cNvPr id="1" name=""/>
-        <p:cNvGrpSpPr/>
-        <p:nvPr/>
-      </p:nvGrpSpPr>
-      <p:grpSpPr>
-        <a:xfrm>
-          <a:off x="0" y="0"/>
-          <a:ext cx="0" cy="0"/>
-          <a:chOff x="0" y="0"/>
-          <a:chExt cx="0" cy="0"/>
-        </a:xfrm>
-      </p:grpSpPr>
-      <p:sp>
-        <p:nvSpPr>
-          <p:cNvPr id="171" name="Sentiment analysis"/>
-          <p:cNvSpPr txBox="1"/>
-          <p:nvPr>
-            <p:ph type="title"/>
-          </p:nvPr>
-        </p:nvSpPr>
-        <p:spPr>
-          <a:prstGeom prst="rect">
-            <a:avLst/>
-          </a:prstGeom>
-        </p:spPr>
-        <p:txBody>
-          <a:bodyPr/>
-          <a:lstStyle/>
-          <a:p>
-            <a:pPr/>
-            <a:r>
-              <a:t>Sentiment analysis</a:t>
-            </a:r>
-          </a:p>
-        </p:txBody>
-      </p:sp>
-      <p:sp>
-        <p:nvSpPr>
-          <p:cNvPr id="172" name="Basic idea:…"/>
-          <p:cNvSpPr txBox="1"/>
-          <p:nvPr>
-            <p:ph type="body" sz="half" idx="1"/>
-          </p:nvPr>
-        </p:nvSpPr>
-        <p:spPr>
-          <a:xfrm>
-            <a:off x="1689100" y="3149600"/>
-            <a:ext cx="9329327" cy="9296400"/>
-          </a:xfrm>
-          <a:prstGeom prst="rect">
-            <a:avLst/>
-          </a:prstGeom>
-        </p:spPr>
-        <p:txBody>
-          <a:bodyPr anchor="t"/>
-          <a:lstStyle/>
-          <a:p>
-            <a:pPr marL="0" indent="0">
-              <a:buSzTx/>
-              <a:buNone/>
-            </a:pPr>
-            <a:r>
-              <a:t>Basic idea:</a:t>
-            </a:r>
-          </a:p>
-          <a:p>
-            <a:pPr marL="0" indent="0">
-              <a:buSzTx/>
-              <a:buNone/>
-            </a:pPr>
-            <a:r>
-              <a:t>1. Match each word with its sentiment.</a:t>
-            </a:r>
-          </a:p>
-          <a:p>
-            <a:pPr marL="0" indent="0">
-              <a:buSzTx/>
-              <a:buNone/>
-            </a:pPr>
-            <a:r>
-              <a:t>2. Average the word sentiments together.</a:t>
-            </a:r>
-          </a:p>
-          <a:p>
-            <a:pPr marL="0" indent="0">
-              <a:buSzTx/>
-              <a:buNone/>
-            </a:pPr>
-            <a:r>
-              <a:t>See </a:t>
-            </a:r>
-            <a:r>
-              <a:rPr u="sng">
-                <a:hlinkClick r:id="rId2" invalidUrl="" action="" tgtFrame="" tooltip="" history="1" highlightClick="0" endSnd="0"/>
-              </a:rPr>
-              <a:t>VADER package</a:t>
-            </a:r>
-            <a:r>
-              <a:t> for Python.</a:t>
-            </a:r>
-          </a:p>
-        </p:txBody>
-      </p:sp>
-      <p:pic>
-        <p:nvPicPr>
-          <p:cNvPr id="173" name="Image" descr="Image"/>
-          <p:cNvPicPr>
-            <a:picLocks noChangeAspect="1"/>
-          </p:cNvPicPr>
-          <p:nvPr/>
-        </p:nvPicPr>
-        <p:blipFill>
-          <a:blip r:embed="rId3">
-            <a:extLst/>
-          </a:blip>
-          <a:stretch>
-            <a:fillRect/>
-          </a:stretch>
-        </p:blipFill>
-        <p:spPr>
-          <a:xfrm>
-            <a:off x="12192000" y="5350646"/>
-            <a:ext cx="10650127" cy="7386380"/>
-          </a:xfrm>
-          <a:prstGeom prst="rect">
-            <a:avLst/>
-          </a:prstGeom>
-          <a:ln w="12700">
-            <a:miter lim="400000"/>
-          </a:ln>
-        </p:spPr>
-      </p:pic>
-      <p:sp>
-        <p:nvSpPr>
-          <p:cNvPr id="174" name="For example, Trump tweets more positively about Fox than NYT:"/>
-          <p:cNvSpPr txBox="1"/>
-          <p:nvPr/>
-        </p:nvSpPr>
-        <p:spPr>
-          <a:xfrm>
-            <a:off x="12192000" y="3149600"/>
-            <a:ext cx="11679643" cy="1981201"/>
-          </a:xfrm>
-          <a:prstGeom prst="rect">
-            <a:avLst/>
-          </a:prstGeom>
-          <a:ln w="12700">
-            <a:miter lim="400000"/>
-          </a:ln>
-          <a:extLst>
-            <a:ext uri="{C572A759-6A51-4108-AA02-DFA0A04FC94B}">
-              <ma14:wrappingTextBoxFlag xmlns:ma14="http://schemas.microsoft.com/office/mac/drawingml/2011/main" val="1"/>
-            </a:ext>
-          </a:extLst>
-        </p:spPr>
-        <p:txBody>
-          <a:bodyPr lIns="50800" tIns="50800" rIns="50800" bIns="50800" anchor="ctr">
-            <a:spAutoFit/>
-          </a:bodyPr>
-          <a:lstStyle/>
-          <a:p>
-            <a:pPr/>
-            <a:r>
-              <a:t>For example, Trump tweets more positively about Fox than NYT:</a:t>
-            </a:r>
-          </a:p>
-        </p:txBody>
-      </p:sp>
-    </p:spTree>
-  </p:cSld>
-  <p:clrMapOvr>
-    <a:masterClrMapping/>
-  </p:clrMapOvr>
-  <p:transition xmlns:p14="http://schemas.microsoft.com/office/powerpoint/2010/main" spd="med" advClick="1"/>
-  <p:timing>
-    <p:tnLst>
-      <p:par>
-        <p:cTn id="1" nodeType="tmRoot" restart="never" dur="indefinite" fill="hold">
-          <p:childTnLst>
-            <p:seq concurrent="1" prevAc="none" nextAc="seek">
-              <p:cTn id="2" nodeType="mainSeq" dur="indefinite" fill="hold">
-                <p:childTnLst>
-                  <p:par>
-                    <p:cTn id="3" fill="hold">
-                      <p:stCondLst>
-                        <p:cond delay="indefinite"/>
-                      </p:stCondLst>
-                      <p:childTnLst>
-                        <p:par>
-                          <p:cTn id="4" fill="hold">
-                            <p:stCondLst>
-                              <p:cond delay="0"/>
-                            </p:stCondLst>
-                            <p:childTnLst>
-                              <p:par>
-                                <p:cTn id="5" presetClass="entr" nodeType="clickEffect" presetSubtype="0" presetID="1" grpId="1" fill="hold">
-                                  <p:stCondLst>
-                                    <p:cond delay="0"/>
-                                  </p:stCondLst>
-                                  <p:iterate type="el" backwards="0">
-                                    <p:tmAbs val="0"/>
-                                  </p:iterate>
-                                  <p:childTnLst>
-                                    <p:set>
-                                      <p:cBhvr>
-                                        <p:cTn id="6" fill="hold"/>
-                                        <p:tgtEl>
-                                          <p:spTgt spid="172">
-                                            <p:bg/>
-                                          </p:spTgt>
-                                        </p:tgtEl>
-                                        <p:attrNameLst>
-                                          <p:attrName>style.visibility</p:attrName>
-                                        </p:attrNameLst>
-                                      </p:cBhvr>
-                                      <p:to>
-                                        <p:strVal val="visible"/>
-                                      </p:to>
-                                    </p:set>
-                                  </p:childTnLst>
-                                </p:cTn>
-                              </p:par>
-                              <p:par>
-                                <p:cTn id="7" presetClass="entr" nodeType="withEffect" presetSubtype="0" presetID="1" grpId="1" fill="hold">
-                                  <p:stCondLst>
-                                    <p:cond delay="0"/>
-                                  </p:stCondLst>
-                                  <p:iterate type="el" backwards="0">
-                                    <p:tmAbs val="0"/>
-                                  </p:iterate>
-                                  <p:childTnLst>
-                                    <p:set>
-                                      <p:cBhvr>
-                                        <p:cTn id="8" fill="hold"/>
-                                        <p:tgtEl>
-                                          <p:spTgt spid="172">
-                                            <p:txEl>
-                                              <p:pRg st="0" end="0"/>
-                                            </p:txEl>
-                                          </p:spTgt>
-                                        </p:tgtEl>
-                                        <p:attrNameLst>
-                                          <p:attrName>style.visibility</p:attrName>
-                                        </p:attrNameLst>
-                                      </p:cBhvr>
-                                      <p:to>
-                                        <p:strVal val="visible"/>
-                                      </p:to>
-                                    </p:set>
-                                  </p:childTnLst>
-                                </p:cTn>
-                              </p:par>
-                            </p:childTnLst>
-                          </p:cTn>
-                        </p:par>
-                      </p:childTnLst>
-                    </p:cTn>
-                  </p:par>
-                  <p:par>
-                    <p:cTn id="9" fill="hold">
-                      <p:stCondLst>
-                        <p:cond delay="indefinite"/>
-                      </p:stCondLst>
-                      <p:childTnLst>
-                        <p:par>
-                          <p:cTn id="10" fill="hold">
-                            <p:stCondLst>
-                              <p:cond delay="0"/>
-                            </p:stCondLst>
-                            <p:childTnLst>
-                              <p:par>
-                                <p:cTn id="11" presetClass="entr" nodeType="clickEffect" presetSubtype="0" presetID="1" grpId="1" fill="hold">
-                                  <p:stCondLst>
-                                    <p:cond delay="0"/>
-                                  </p:stCondLst>
-                                  <p:iterate type="el" backwards="0">
-                                    <p:tmAbs val="0"/>
-                                  </p:iterate>
-                                  <p:childTnLst>
-                                    <p:set>
-                                      <p:cBhvr>
-                                        <p:cTn id="12" fill="hold"/>
-                                        <p:tgtEl>
-                                          <p:spTgt spid="172">
-                                            <p:txEl>
-                                              <p:pRg st="1" end="1"/>
-                                            </p:txEl>
-                                          </p:spTgt>
-                                        </p:tgtEl>
-                                        <p:attrNameLst>
-                                          <p:attrName>style.visibility</p:attrName>
-                                        </p:attrNameLst>
-                                      </p:cBhvr>
-                                      <p:to>
-                                        <p:strVal val="visible"/>
-                                      </p:to>
-                                    </p:set>
-                                  </p:childTnLst>
-                                </p:cTn>
-                              </p:par>
-                            </p:childTnLst>
-                          </p:cTn>
-                        </p:par>
-                      </p:childTnLst>
-                    </p:cTn>
-                  </p:par>
-                  <p:par>
-                    <p:cTn id="13" fill="hold">
-                      <p:stCondLst>
-                        <p:cond delay="indefinite"/>
-                      </p:stCondLst>
-                      <p:childTnLst>
-                        <p:par>
-                          <p:cTn id="14" fill="hold">
-                            <p:stCondLst>
-                              <p:cond delay="0"/>
-                            </p:stCondLst>
-                            <p:childTnLst>
-                              <p:par>
-                                <p:cTn id="15" presetClass="entr" nodeType="clickEffect" presetSubtype="0" presetID="1" grpId="1" fill="hold">
-                                  <p:stCondLst>
-                                    <p:cond delay="0"/>
-                                  </p:stCondLst>
-                                  <p:iterate type="el" backwards="0">
-                                    <p:tmAbs val="0"/>
-                                  </p:iterate>
-                                  <p:childTnLst>
-                                    <p:set>
-                                      <p:cBhvr>
-                                        <p:cTn id="16" fill="hold"/>
-                                        <p:tgtEl>
-                                          <p:spTgt spid="172">
-                                            <p:txEl>
-                                              <p:pRg st="2" end="2"/>
-                                            </p:txEl>
-                                          </p:spTgt>
-                                        </p:tgtEl>
-                                        <p:attrNameLst>
-                                          <p:attrName>style.visibility</p:attrName>
-                                        </p:attrNameLst>
-                                      </p:cBhvr>
-                                      <p:to>
-                                        <p:strVal val="visible"/>
-                                      </p:to>
-                                    </p:set>
-                                  </p:childTnLst>
-                                </p:cTn>
-                              </p:par>
-                            </p:childTnLst>
-                          </p:cTn>
-                        </p:par>
-                      </p:childTnLst>
-                    </p:cTn>
-                  </p:par>
-                  <p:par>
-                    <p:cTn id="17" fill="hold">
-                      <p:stCondLst>
-                        <p:cond delay="indefinite"/>
-                      </p:stCondLst>
-                      <p:childTnLst>
-                        <p:par>
-                          <p:cTn id="18" fill="hold">
-                            <p:stCondLst>
-                              <p:cond delay="0"/>
-                            </p:stCondLst>
-                            <p:childTnLst>
-                              <p:par>
-                                <p:cTn id="19" presetClass="entr" nodeType="clickEffect" presetSubtype="0" presetID="1" grpId="1" fill="hold">
-                                  <p:stCondLst>
-                                    <p:cond delay="0"/>
-                                  </p:stCondLst>
-                                  <p:iterate type="el" backwards="0">
-                                    <p:tmAbs val="0"/>
-                                  </p:iterate>
-                                  <p:childTnLst>
-                                    <p:set>
-                                      <p:cBhvr>
-                                        <p:cTn id="20" fill="hold"/>
-                                        <p:tgtEl>
-                                          <p:spTgt spid="172">
-                                            <p:txEl>
-                                              <p:pRg st="3" end="3"/>
-                                            </p:txEl>
-                                          </p:spTgt>
-                                        </p:tgtEl>
-                                        <p:attrNameLst>
-                                          <p:attrName>style.visibility</p:attrName>
-                                        </p:attrNameLst>
-                                      </p:cBhvr>
-                                      <p:to>
-                                        <p:strVal val="visible"/>
-                                      </p:to>
-                                    </p:set>
-                                  </p:childTnLst>
-                                </p:cTn>
-                              </p:par>
-                            </p:childTnLst>
-                          </p:cTn>
-                        </p:par>
-                      </p:childTnLst>
-                    </p:cTn>
-                  </p:par>
-                  <p:par>
-                    <p:cTn id="21" fill="hold">
-                      <p:stCondLst>
-                        <p:cond delay="indefinite"/>
-                      </p:stCondLst>
-                      <p:childTnLst>
-                        <p:par>
-                          <p:cTn id="22" fill="hold">
-                            <p:stCondLst>
-                              <p:cond delay="0"/>
-                            </p:stCondLst>
-                            <p:childTnLst>
-                              <p:par>
-                                <p:cTn id="23" presetClass="entr" nodeType="clickEffect" presetSubtype="0" presetID="1" grpId="2" fill="hold">
-                                  <p:stCondLst>
-                                    <p:cond delay="0"/>
-                                  </p:stCondLst>
-                                  <p:iterate type="el" backwards="0">
-                                    <p:tmAbs val="0"/>
-                                  </p:iterate>
-                                  <p:childTnLst>
-                                    <p:set>
-                                      <p:cBhvr>
-                                        <p:cTn id="24" fill="hold"/>
-                                        <p:tgtEl>
-                                          <p:spTgt spid="174"/>
-                                        </p:tgtEl>
-                                        <p:attrNameLst>
-                                          <p:attrName>style.visibility</p:attrName>
-                                        </p:attrNameLst>
-                                      </p:cBhvr>
-                                      <p:to>
-                                        <p:strVal val="visible"/>
-                                      </p:to>
-                                    </p:set>
-                                  </p:childTnLst>
-                                </p:cTn>
-                              </p:par>
-                            </p:childTnLst>
-                          </p:cTn>
-                        </p:par>
-                      </p:childTnLst>
-                    </p:cTn>
-                  </p:par>
-                  <p:par>
-                    <p:cTn id="25" fill="hold">
-                      <p:stCondLst>
-                        <p:cond delay="indefinite"/>
-                      </p:stCondLst>
-                      <p:childTnLst>
-                        <p:par>
-                          <p:cTn id="26" fill="hold">
-                            <p:stCondLst>
-                              <p:cond delay="0"/>
-                            </p:stCondLst>
-                            <p:childTnLst>
-                              <p:par>
-                                <p:cTn id="27" presetClass="entr" nodeType="clickEffect" presetSubtype="0" presetID="1" grpId="3" fill="hold">
-                                  <p:stCondLst>
-                                    <p:cond delay="0"/>
-                                  </p:stCondLst>
-                                  <p:iterate type="el" backwards="0">
-                                    <p:tmAbs val="0"/>
-                                  </p:iterate>
-                                  <p:childTnLst>
-                                    <p:set>
-                                      <p:cBhvr>
-                                        <p:cTn id="28" fill="hold"/>
-                                        <p:tgtEl>
-                                          <p:spTgt spid="173"/>
-                                        </p:tgtEl>
-                                        <p:attrNameLst>
-                                          <p:attrName>style.visibility</p:attrName>
-                                        </p:attrNameLst>
-                                      </p:cBhvr>
-                                      <p:to>
-                                        <p:strVal val="visible"/>
-                                      </p:to>
-                                    </p:set>
-                                  </p:childTnLst>
-                                </p:cTn>
-                              </p:par>
-                            </p:childTnLst>
-                          </p:cTn>
-                        </p:par>
-                      </p:childTnLst>
-                    </p:cTn>
-                  </p:par>
-                </p:childTnLst>
-              </p:cTn>
-              <p:prevCondLst>
-                <p:cond evt="onPrev">
-                  <p:tgtEl>
-                    <p:sldTgt/>
-                  </p:tgtEl>
-                </p:cond>
-              </p:prevCondLst>
-              <p:nextCondLst>
-                <p:cond evt="onNext">
-                  <p:tgtEl>
-                    <p:sldTgt/>
-                  </p:tgtEl>
-                </p:cond>
-              </p:nextCondLst>
-            </p:seq>
-          </p:childTnLst>
-        </p:cTn>
-      </p:par>
-    </p:tnLst>
-    <p:bldLst>
-      <p:bldP build="p" bldLvl="5" animBg="1" rev="0" advAuto="0" spid="172" grpId="1"/>
-      <p:bldP build="whole" bldLvl="1" animBg="1" rev="0" advAuto="0" spid="173" grpId="3"/>
-      <p:bldP build="whole" bldLvl="1" animBg="1" rev="0" advAuto="0" spid="174" grpId="2"/>
-    </p:bldLst>
-  </p:timing>
-</p:sld>
-</file>
-
-<file path=ppt/slides/slide16.xml><?xml version="1.0" encoding="utf-8"?>
 <p:sld xmlns:a="http://schemas.openxmlformats.org/drawingml/2006/main" xmlns:r="http://schemas.openxmlformats.org/officeDocument/2006/relationships" xmlns:p="http://schemas.openxmlformats.org/presentationml/2006/main" xmlns:m="http://schemas.openxmlformats.org/officeDocument/2006/math" xmlns:a14="http://schemas.microsoft.com/office/drawing/2010/main" showMasterSp="1" showMasterPhAnim="1">
   <p:cSld>
     <p:spTree>
@@ -4936,7 +4031,7 @@
       </p:grpSpPr>
       <p:sp>
         <p:nvSpPr>
-          <p:cNvPr id="176" name="Preview of next week"/>
+          <p:cNvPr id="165" name="Preview of next week"/>
           <p:cNvSpPr txBox="1"/>
           <p:nvPr>
             <p:ph type="title"/>
@@ -4960,7 +4055,7 @@
       </p:sp>
       <p:sp>
         <p:nvSpPr>
-          <p:cNvPr id="177" name="An easy way to set up a personal website using Jupyter notebooks and GitHub.…"/>
+          <p:cNvPr id="166" name="An easy way to set up a personal website using Jupyter notebooks and GitHub.…"/>
           <p:cNvSpPr txBox="1"/>
           <p:nvPr>
             <p:ph type="body" sz="half" idx="1"/>
@@ -5000,7 +4095,7 @@
       </p:sp>
       <p:pic>
         <p:nvPicPr>
-          <p:cNvPr id="178" name="Screenshot 2019-11-05 22.26.57.png" descr="Screenshot 2019-11-05 22.26.57.png"/>
+          <p:cNvPr id="167" name="Screenshot 2019-11-05 22.26.57.png" descr="Screenshot 2019-11-05 22.26.57.png"/>
           <p:cNvPicPr>
             <a:picLocks noChangeAspect="1"/>
           </p:cNvPicPr>
@@ -5066,7 +4161,7 @@
                                       <p:cBhvr>
                                         <p:cTn id="6" fill="hold"/>
                                         <p:tgtEl>
-                                          <p:spTgt spid="177">
+                                          <p:spTgt spid="166">
                                             <p:bg/>
                                           </p:spTgt>
                                         </p:tgtEl>
@@ -5094,7 +4189,7 @@
                                       <p:cBhvr>
                                         <p:cTn id="8" fill="hold"/>
                                         <p:tgtEl>
-                                          <p:spTgt spid="177">
+                                          <p:spTgt spid="166">
                                             <p:txEl>
                                               <p:pRg st="0" end="0"/>
                                             </p:txEl>
@@ -5142,7 +4237,7 @@
                                       <p:cBhvr>
                                         <p:cTn id="12" fill="hold"/>
                                         <p:tgtEl>
-                                          <p:spTgt spid="177">
+                                          <p:spTgt spid="166">
                                             <p:txEl>
                                               <p:pRg st="1" end="1"/>
                                             </p:txEl>
@@ -5187,13 +4282,13 @@
       </p:par>
     </p:tnLst>
     <p:bldLst>
-      <p:bldP build="p" bldLvl="5" animBg="1" rev="0" advAuto="0" spid="177" grpId="1"/>
+      <p:bldP build="p" bldLvl="5" animBg="1" rev="0" advAuto="0" spid="166" grpId="1"/>
     </p:bldLst>
   </p:timing>
 </p:sld>
 </file>
 
-<file path=ppt/slides/slide17.xml><?xml version="1.0" encoding="utf-8"?>
+<file path=ppt/slides/slide14.xml><?xml version="1.0" encoding="utf-8"?>
 <p:sld xmlns:a="http://schemas.openxmlformats.org/drawingml/2006/main" xmlns:r="http://schemas.openxmlformats.org/officeDocument/2006/relationships" xmlns:p="http://schemas.openxmlformats.org/presentationml/2006/main" xmlns:m="http://schemas.openxmlformats.org/officeDocument/2006/math" xmlns:a14="http://schemas.microsoft.com/office/drawing/2010/main" showMasterSp="1" showMasterPhAnim="1">
   <p:cSld>
     <p:spTree>
@@ -5212,7 +4307,7 @@
       </p:grpSpPr>
       <p:sp>
         <p:nvSpPr>
-          <p:cNvPr id="180" name="A4 quick tips"/>
+          <p:cNvPr id="169" name="A4 quick tips"/>
           <p:cNvSpPr txBox="1"/>
           <p:nvPr>
             <p:ph type="title"/>
@@ -5236,7 +4331,7 @@
       </p:sp>
       <p:sp>
         <p:nvSpPr>
-          <p:cNvPr id="181" name="1d: Your DF cells should have `\n` at the end (same for 1e)…"/>
+          <p:cNvPr id="170" name="1d: Your DF cells should have `\n` at the end (same for 1e)…"/>
           <p:cNvSpPr txBox="1"/>
           <p:nvPr>
             <p:ph type="body" idx="1"/>
@@ -7409,13 +6504,13 @@
       </p:par>
     </p:tnLst>
     <p:bldLst>
+      <p:bldP build="whole" bldLvl="1" animBg="1" rev="0" advAuto="0" spid="134" grpId="3"/>
       <p:bldP build="whole" bldLvl="1" animBg="1" rev="0" advAuto="0" spid="133" grpId="2"/>
+      <p:bldP build="whole" bldLvl="1" animBg="1" rev="0" advAuto="0" spid="138" grpId="6"/>
+      <p:bldP build="whole" bldLvl="1" animBg="1" rev="0" advAuto="0" spid="136" grpId="5"/>
       <p:bldP build="whole" bldLvl="1" animBg="1" rev="0" advAuto="0" spid="137" grpId="7"/>
-      <p:bldP build="whole" bldLvl="1" animBg="1" rev="0" advAuto="0" spid="136" grpId="5"/>
       <p:bldP build="p" bldLvl="5" animBg="1" rev="0" advAuto="0" spid="132" grpId="1"/>
-      <p:bldP build="whole" bldLvl="1" animBg="1" rev="0" advAuto="0" spid="134" grpId="3"/>
       <p:bldP build="whole" bldLvl="1" animBg="1" rev="0" advAuto="0" spid="135" grpId="4"/>
-      <p:bldP build="whole" bldLvl="1" animBg="1" rev="0" advAuto="0" spid="138" grpId="6"/>
     </p:bldLst>
   </p:timing>
 </p:sld>
